--- a/manuscript/figure/hypermut3.pptx
+++ b/manuscript/figure/hypermut3.pptx
@@ -197,7 +197,7 @@
           <a:p>
             <a:fld id="{7D5D32A9-CA0C-764F-8A01-CC8626FFC4D6}" type="datetimeFigureOut">
               <a:rPr lang="en-US" smtClean="0"/>
-              <a:t>10/9/24</a:t>
+              <a:t>10/24/24</a:t>
             </a:fld>
             <a:endParaRPr lang="en-US"/>
           </a:p>
@@ -513,41 +513,165 @@
           <a:bodyPr/>
           <a:lstStyle/>
           <a:p>
-            <a:r>
-              <a:rPr lang="en-US" dirty="0"/>
+            <a:pPr marL="0" marR="0">
+              <a:spcBef>
+                <a:spcPts val="0"/>
+              </a:spcBef>
+              <a:spcAft>
+                <a:spcPts val="0"/>
+              </a:spcAft>
+            </a:pPr>
+            <a:r>
+              <a:rPr lang="en-US" sz="1800" b="1" dirty="0">
+                <a:effectLst/>
+                <a:latin typeface="Times New Roman" panose="02020603050405020304" pitchFamily="18" charset="0"/>
+                <a:ea typeface="Times New Roman" panose="02020603050405020304" pitchFamily="18" charset="0"/>
+              </a:rPr>
               <a:t>Figure 1: </a:t>
             </a:r>
             <a:r>
-              <a:rPr lang="en-US" dirty="0" err="1"/>
+              <a:rPr lang="en-US" sz="1800" b="1" dirty="0" err="1">
+                <a:effectLst/>
+                <a:latin typeface="Times New Roman" panose="02020603050405020304" pitchFamily="18" charset="0"/>
+                <a:ea typeface="Times New Roman" panose="02020603050405020304" pitchFamily="18" charset="0"/>
+              </a:rPr>
               <a:t>Hypermut</a:t>
             </a:r>
             <a:r>
-              <a:rPr lang="en-US" dirty="0"/>
-              <a:t> 3.0 overview. (A) Example mutation site and context (for APOBEC3G and APOBEC3F). The control pattern is the opposite of the primary pattern. (B) Example reference and query sequences, and whether they are considered a potential primary match and an actual primary match for 3 versions: </a:t>
-            </a:r>
-            <a:r>
-              <a:rPr lang="en-US" dirty="0" err="1"/>
-              <a:t>hypermut</a:t>
-            </a:r>
-            <a:r>
-              <a:rPr lang="en-US" dirty="0"/>
-              <a:t> 2.0, </a:t>
-            </a:r>
-            <a:r>
-              <a:rPr lang="en-US" dirty="0" err="1"/>
-              <a:t>hypermut</a:t>
-            </a:r>
-            <a:r>
-              <a:rPr lang="en-US" dirty="0"/>
-              <a:t> 3.0 strict, and </a:t>
-            </a:r>
-            <a:r>
-              <a:rPr lang="en-US" dirty="0" err="1"/>
-              <a:t>hypermut</a:t>
-            </a:r>
-            <a:r>
-              <a:rPr lang="en-US" dirty="0"/>
-              <a:t> 3.0 partial. These numbers assume that gaps are stripped and that the context is enforced on the query sequence. (C) Correlation between percent non-ACGT characters in the query sequence and the number of additional potential primary matches identified when using partial matching compared to strict matching. The color indicates the number of additional primary matches observed. (D) For an example sequence, the cumulative number of potential sites vs. the cumulative number of actual matches identified for partial vs. strict matching. </a:t>
+              <a:rPr lang="en-US" sz="1800" b="1" dirty="0">
+                <a:effectLst/>
+                <a:latin typeface="Times New Roman" panose="02020603050405020304" pitchFamily="18" charset="0"/>
+                <a:ea typeface="Times New Roman" panose="02020603050405020304" pitchFamily="18" charset="0"/>
+              </a:rPr>
+              <a:t> 3 overview.</a:t>
+            </a:r>
+            <a:r>
+              <a:rPr lang="en-US" sz="1800" dirty="0">
+                <a:effectLst/>
+                <a:latin typeface="Times New Roman" panose="02020603050405020304" pitchFamily="18" charset="0"/>
+                <a:ea typeface="Times New Roman" panose="02020603050405020304" pitchFamily="18" charset="0"/>
+              </a:rPr>
+              <a:t> </a:t>
+            </a:r>
+            <a:r>
+              <a:rPr lang="en-US" sz="1800" b="1" dirty="0">
+                <a:effectLst/>
+                <a:latin typeface="Times New Roman" panose="02020603050405020304" pitchFamily="18" charset="0"/>
+                <a:ea typeface="Times New Roman" panose="02020603050405020304" pitchFamily="18" charset="0"/>
+              </a:rPr>
+              <a:t>(A)</a:t>
+            </a:r>
+            <a:r>
+              <a:rPr lang="en-US" sz="1800" dirty="0">
+                <a:effectLst/>
+                <a:latin typeface="Times New Roman" panose="02020603050405020304" pitchFamily="18" charset="0"/>
+                <a:ea typeface="Times New Roman" panose="02020603050405020304" pitchFamily="18" charset="0"/>
+              </a:rPr>
+              <a:t> Example mutation site and context (for APOBEC3G and APOBEC3F). The control pattern is the complement of the primary pattern and inferred by the program. </a:t>
+            </a:r>
+            <a:r>
+              <a:rPr lang="en-US" sz="1800" b="1" dirty="0">
+                <a:effectLst/>
+                <a:latin typeface="Times New Roman" panose="02020603050405020304" pitchFamily="18" charset="0"/>
+                <a:ea typeface="Times New Roman" panose="02020603050405020304" pitchFamily="18" charset="0"/>
+              </a:rPr>
+              <a:t>(B)</a:t>
+            </a:r>
+            <a:r>
+              <a:rPr lang="en-US" sz="1800" dirty="0">
+                <a:effectLst/>
+                <a:latin typeface="Times New Roman" panose="02020603050405020304" pitchFamily="18" charset="0"/>
+                <a:ea typeface="Times New Roman" panose="02020603050405020304" pitchFamily="18" charset="0"/>
+              </a:rPr>
+              <a:t> Example reference and query sequences, and whether they are considered a potential primary match and an actual primary match for 3 </a:t>
+            </a:r>
+            <a:r>
+              <a:rPr lang="en-US" sz="1800" dirty="0" err="1">
+                <a:effectLst/>
+                <a:latin typeface="Times New Roman" panose="02020603050405020304" pitchFamily="18" charset="0"/>
+                <a:ea typeface="Times New Roman" panose="02020603050405020304" pitchFamily="18" charset="0"/>
+              </a:rPr>
+              <a:t>Hypermut</a:t>
+            </a:r>
+            <a:r>
+              <a:rPr lang="en-US" sz="1800" dirty="0">
+                <a:effectLst/>
+                <a:latin typeface="Times New Roman" panose="02020603050405020304" pitchFamily="18" charset="0"/>
+                <a:ea typeface="Times New Roman" panose="02020603050405020304" pitchFamily="18" charset="0"/>
+              </a:rPr>
+              <a:t> versions: 2.0, 3.0 strict, and 3.0 partial. These numbers assume that gaps are skipped (for </a:t>
+            </a:r>
+            <a:r>
+              <a:rPr lang="en-US" sz="1800" dirty="0" err="1">
+                <a:effectLst/>
+                <a:latin typeface="Times New Roman" panose="02020603050405020304" pitchFamily="18" charset="0"/>
+                <a:ea typeface="Times New Roman" panose="02020603050405020304" pitchFamily="18" charset="0"/>
+              </a:rPr>
+              <a:t>Hypermut</a:t>
+            </a:r>
+            <a:r>
+              <a:rPr lang="en-US" sz="1800" dirty="0">
+                <a:effectLst/>
+                <a:latin typeface="Times New Roman" panose="02020603050405020304" pitchFamily="18" charset="0"/>
+                <a:ea typeface="Times New Roman" panose="02020603050405020304" pitchFamily="18" charset="0"/>
+              </a:rPr>
+              <a:t> 3) and that the context is enforced on the query sequence. In the sequence, the underlined nucleotide is the mutation site, correct mutations or contexts are bolded, and matches for </a:t>
+            </a:r>
+            <a:r>
+              <a:rPr lang="en-US" sz="1800" dirty="0" err="1">
+                <a:effectLst/>
+                <a:latin typeface="Times New Roman" panose="02020603050405020304" pitchFamily="18" charset="0"/>
+                <a:ea typeface="Times New Roman" panose="02020603050405020304" pitchFamily="18" charset="0"/>
+              </a:rPr>
+              <a:t>Hypermut</a:t>
+            </a:r>
+            <a:r>
+              <a:rPr lang="en-US" sz="1800" dirty="0">
+                <a:effectLst/>
+                <a:latin typeface="Times New Roman" panose="02020603050405020304" pitchFamily="18" charset="0"/>
+                <a:ea typeface="Times New Roman" panose="02020603050405020304" pitchFamily="18" charset="0"/>
+              </a:rPr>
+              <a:t> 3 partial mode are colored in red. </a:t>
+            </a:r>
+            <a:r>
+              <a:rPr lang="en-US" sz="1800" b="1" dirty="0">
+                <a:effectLst/>
+                <a:latin typeface="Times New Roman" panose="02020603050405020304" pitchFamily="18" charset="0"/>
+                <a:ea typeface="Times New Roman" panose="02020603050405020304" pitchFamily="18" charset="0"/>
+              </a:rPr>
+              <a:t>(C)</a:t>
+            </a:r>
+            <a:r>
+              <a:rPr lang="en-US" sz="1800" dirty="0">
+                <a:effectLst/>
+                <a:latin typeface="Times New Roman" panose="02020603050405020304" pitchFamily="18" charset="0"/>
+                <a:ea typeface="Times New Roman" panose="02020603050405020304" pitchFamily="18" charset="0"/>
+              </a:rPr>
+              <a:t> Correlation between percent non-ACGT characters in the query sequence and the number of additional potential primary matches identified when using partial matching compared to strict matching. The color indicates the number of additional primary matches observed. </a:t>
+            </a:r>
+            <a:r>
+              <a:rPr lang="en-US" sz="1800" b="1" dirty="0">
+                <a:effectLst/>
+                <a:latin typeface="Times New Roman" panose="02020603050405020304" pitchFamily="18" charset="0"/>
+                <a:ea typeface="Times New Roman" panose="02020603050405020304" pitchFamily="18" charset="0"/>
+              </a:rPr>
+              <a:t>(D)</a:t>
+            </a:r>
+            <a:r>
+              <a:rPr lang="en-US" sz="1800" dirty="0">
+                <a:effectLst/>
+                <a:latin typeface="Times New Roman" panose="02020603050405020304" pitchFamily="18" charset="0"/>
+                <a:ea typeface="Times New Roman" panose="02020603050405020304" pitchFamily="18" charset="0"/>
+              </a:rPr>
+              <a:t> For an example sequence, the cumulative number of potential sites vs. the cumulative number of actual matches identified for each combination of partial vs. strict matching (color) and keeping vs. </a:t>
+            </a:r>
+            <a:r>
+              <a:rPr lang="en-US" sz="1800">
+                <a:effectLst/>
+                <a:latin typeface="Times New Roman" panose="02020603050405020304" pitchFamily="18" charset="0"/>
+                <a:ea typeface="Times New Roman" panose="02020603050405020304" pitchFamily="18" charset="0"/>
+              </a:rPr>
+              <a:t>skipping gaps in the alignment (line type).</a:t>
             </a:r>
           </a:p>
         </p:txBody>
@@ -719,7 +843,7 @@
           <a:p>
             <a:fld id="{D0351E44-C808-BE4C-860F-519D35122602}" type="datetimeFigureOut">
               <a:rPr lang="en-US" smtClean="0"/>
-              <a:t>10/9/24</a:t>
+              <a:t>10/24/24</a:t>
             </a:fld>
             <a:endParaRPr lang="en-US"/>
           </a:p>
@@ -889,7 +1013,7 @@
           <a:p>
             <a:fld id="{D0351E44-C808-BE4C-860F-519D35122602}" type="datetimeFigureOut">
               <a:rPr lang="en-US" smtClean="0"/>
-              <a:t>10/9/24</a:t>
+              <a:t>10/24/24</a:t>
             </a:fld>
             <a:endParaRPr lang="en-US"/>
           </a:p>
@@ -1069,7 +1193,7 @@
           <a:p>
             <a:fld id="{D0351E44-C808-BE4C-860F-519D35122602}" type="datetimeFigureOut">
               <a:rPr lang="en-US" smtClean="0"/>
-              <a:t>10/9/24</a:t>
+              <a:t>10/24/24</a:t>
             </a:fld>
             <a:endParaRPr lang="en-US"/>
           </a:p>
@@ -1239,7 +1363,7 @@
           <a:p>
             <a:fld id="{D0351E44-C808-BE4C-860F-519D35122602}" type="datetimeFigureOut">
               <a:rPr lang="en-US" smtClean="0"/>
-              <a:t>10/9/24</a:t>
+              <a:t>10/24/24</a:t>
             </a:fld>
             <a:endParaRPr lang="en-US"/>
           </a:p>
@@ -1485,7 +1609,7 @@
           <a:p>
             <a:fld id="{D0351E44-C808-BE4C-860F-519D35122602}" type="datetimeFigureOut">
               <a:rPr lang="en-US" smtClean="0"/>
-              <a:t>10/9/24</a:t>
+              <a:t>10/24/24</a:t>
             </a:fld>
             <a:endParaRPr lang="en-US"/>
           </a:p>
@@ -1717,7 +1841,7 @@
           <a:p>
             <a:fld id="{D0351E44-C808-BE4C-860F-519D35122602}" type="datetimeFigureOut">
               <a:rPr lang="en-US" smtClean="0"/>
-              <a:t>10/9/24</a:t>
+              <a:t>10/24/24</a:t>
             </a:fld>
             <a:endParaRPr lang="en-US"/>
           </a:p>
@@ -2084,7 +2208,7 @@
           <a:p>
             <a:fld id="{D0351E44-C808-BE4C-860F-519D35122602}" type="datetimeFigureOut">
               <a:rPr lang="en-US" smtClean="0"/>
-              <a:t>10/9/24</a:t>
+              <a:t>10/24/24</a:t>
             </a:fld>
             <a:endParaRPr lang="en-US"/>
           </a:p>
@@ -2202,7 +2326,7 @@
           <a:p>
             <a:fld id="{D0351E44-C808-BE4C-860F-519D35122602}" type="datetimeFigureOut">
               <a:rPr lang="en-US" smtClean="0"/>
-              <a:t>10/9/24</a:t>
+              <a:t>10/24/24</a:t>
             </a:fld>
             <a:endParaRPr lang="en-US"/>
           </a:p>
@@ -2297,7 +2421,7 @@
           <a:p>
             <a:fld id="{D0351E44-C808-BE4C-860F-519D35122602}" type="datetimeFigureOut">
               <a:rPr lang="en-US" smtClean="0"/>
-              <a:t>10/9/24</a:t>
+              <a:t>10/24/24</a:t>
             </a:fld>
             <a:endParaRPr lang="en-US"/>
           </a:p>
@@ -2574,7 +2698,7 @@
           <a:p>
             <a:fld id="{D0351E44-C808-BE4C-860F-519D35122602}" type="datetimeFigureOut">
               <a:rPr lang="en-US" smtClean="0"/>
-              <a:t>10/9/24</a:t>
+              <a:t>10/24/24</a:t>
             </a:fld>
             <a:endParaRPr lang="en-US"/>
           </a:p>
@@ -2831,7 +2955,7 @@
           <a:p>
             <a:fld id="{D0351E44-C808-BE4C-860F-519D35122602}" type="datetimeFigureOut">
               <a:rPr lang="en-US" smtClean="0"/>
-              <a:t>10/9/24</a:t>
+              <a:t>10/24/24</a:t>
             </a:fld>
             <a:endParaRPr lang="en-US"/>
           </a:p>
@@ -3044,7 +3168,7 @@
           <a:p>
             <a:fld id="{D0351E44-C808-BE4C-860F-519D35122602}" type="datetimeFigureOut">
               <a:rPr lang="en-US" smtClean="0"/>
-              <a:t>10/9/24</a:t>
+              <a:t>10/24/24</a:t>
             </a:fld>
             <a:endParaRPr lang="en-US"/>
           </a:p>
@@ -4786,7 +4910,7 @@
           <p:nvPr>
             <p:extLst>
               <p:ext uri="{D42A27DB-BD31-4B8C-83A1-F6EECF244321}">
-                <p14:modId xmlns:p14="http://schemas.microsoft.com/office/powerpoint/2010/main" val="2342081354"/>
+                <p14:modId xmlns:p14="http://schemas.microsoft.com/office/powerpoint/2010/main" val="234108216"/>
               </p:ext>
             </p:extLst>
           </p:nvPr>
